--- a/database/slides/SONS_OF_GOD.pptx
+++ b/database/slides/SONS_OF_GOD.pptx
@@ -15884,7 +15884,13 @@
       </p:sp>
       <p:sp>
         <p:nvSpPr>
-          <p:cNvPr id="131" name="Google Shape;131;p25"/>
+          <p:cNvPr id="2" name="Google Shape;131;p25">
+            <a:extLst>
+              <a:ext uri="{FF2B5EF4-FFF2-40B4-BE49-F238E27FC236}">
+                <a16:creationId xmlns:a16="http://schemas.microsoft.com/office/drawing/2014/main" id="{D2D1BD97-C575-3DFF-009A-9EC84EB04696}"/>
+              </a:ext>
+            </a:extLst>
+          </p:cNvPr>
           <p:cNvSpPr txBox="1"/>
           <p:nvPr/>
         </p:nvSpPr>
@@ -15907,11 +15913,19 @@
           </a:bodyPr>
           <a:lstStyle/>
           <a:p>
-            <a:pPr>
+            <a:pPr marL="0" lvl="0" indent="0" algn="l" rtl="0">
+              <a:spcBef>
+                <a:spcPts val="0"/>
+              </a:spcBef>
+              <a:spcAft>
+                <a:spcPts val="0"/>
+              </a:spcAft>
               <a:buClr>
                 <a:schemeClr val="lt1"/>
               </a:buClr>
               <a:buSzPts val="3200"/>
+              <a:buFont typeface="Arial"/>
+              <a:buNone/>
             </a:pPr>
             <a:r>
               <a:rPr lang="en-GB" sz="3600" b="1" i="1" dirty="0">
@@ -15925,7 +15939,7 @@
               </a:rPr>
               <a:t>contd..</a:t>
             </a:r>
-            <a:endParaRPr lang="en-GB" sz="3600" dirty="0">
+            <a:endParaRPr sz="3600" dirty="0">
               <a:latin typeface="Calibri"/>
               <a:ea typeface="Calibri"/>
               <a:cs typeface="Calibri"/>

--- a/database/slides/SONS_OF_GOD.pptx
+++ b/database/slides/SONS_OF_GOD.pptx
@@ -15755,6 +15755,28 @@
                 <a:ea typeface="Calibri" panose="020F0502020204030204" pitchFamily="34" charset="0"/>
                 <a:cs typeface="Calibri" panose="020F0502020204030204" pitchFamily="34" charset="0"/>
               </a:rPr>
+              <a:t>, </a:t>
+            </a:r>
+            <a:r>
+              <a:rPr lang="en-GB" sz="3600" b="1" i="1" dirty="0" err="1">
+                <a:solidFill>
+                  <a:schemeClr val="bg1"/>
+                </a:solidFill>
+                <a:latin typeface="Calibri" panose="020F0502020204030204" pitchFamily="34" charset="0"/>
+                <a:ea typeface="Calibri" panose="020F0502020204030204" pitchFamily="34" charset="0"/>
+                <a:cs typeface="Calibri" panose="020F0502020204030204" pitchFamily="34" charset="0"/>
+              </a:rPr>
+              <a:t>Allelu</a:t>
+            </a:r>
+            <a:r>
+              <a:rPr lang="en-GB" sz="3600" b="1" i="1" dirty="0">
+                <a:solidFill>
+                  <a:schemeClr val="bg1"/>
+                </a:solidFill>
+                <a:latin typeface="Calibri" panose="020F0502020204030204" pitchFamily="34" charset="0"/>
+                <a:ea typeface="Calibri" panose="020F0502020204030204" pitchFamily="34" charset="0"/>
+                <a:cs typeface="Calibri" panose="020F0502020204030204" pitchFamily="34" charset="0"/>
+              </a:rPr>
               <a:t>, Alleluia.</a:t>
             </a:r>
           </a:p>
@@ -16210,7 +16232,40 @@
                 <a:ea typeface="Calibri" panose="020F0502020204030204" pitchFamily="34" charset="0"/>
                 <a:cs typeface="Calibri" panose="020F0502020204030204" pitchFamily="34" charset="0"/>
               </a:rPr>
-              <a:t>, Alleluia.</a:t>
+              <a:t>, </a:t>
+            </a:r>
+            <a:r>
+              <a:rPr lang="en-GB" sz="3600" b="1" i="1" dirty="0" err="1">
+                <a:solidFill>
+                  <a:schemeClr val="bg1"/>
+                </a:solidFill>
+                <a:latin typeface="Calibri" panose="020F0502020204030204" pitchFamily="34" charset="0"/>
+                <a:ea typeface="Calibri" panose="020F0502020204030204" pitchFamily="34" charset="0"/>
+                <a:cs typeface="Calibri" panose="020F0502020204030204" pitchFamily="34" charset="0"/>
+              </a:rPr>
+              <a:t>Allelu</a:t>
+            </a:r>
+            <a:r>
+              <a:rPr lang="en-GB" sz="3600" b="1" i="1">
+                <a:solidFill>
+                  <a:schemeClr val="bg1"/>
+                </a:solidFill>
+                <a:latin typeface="Calibri" panose="020F0502020204030204" pitchFamily="34" charset="0"/>
+                <a:ea typeface="Calibri" panose="020F0502020204030204" pitchFamily="34" charset="0"/>
+                <a:cs typeface="Calibri" panose="020F0502020204030204" pitchFamily="34" charset="0"/>
+              </a:rPr>
+              <a:t>, Alleluia</a:t>
+            </a:r>
+            <a:r>
+              <a:rPr lang="en-GB" sz="3600" b="1" i="1" dirty="0">
+                <a:solidFill>
+                  <a:schemeClr val="bg1"/>
+                </a:solidFill>
+                <a:latin typeface="Calibri" panose="020F0502020204030204" pitchFamily="34" charset="0"/>
+                <a:ea typeface="Calibri" panose="020F0502020204030204" pitchFamily="34" charset="0"/>
+                <a:cs typeface="Calibri" panose="020F0502020204030204" pitchFamily="34" charset="0"/>
+              </a:rPr>
+              <a:t>.</a:t>
             </a:r>
           </a:p>
           <a:p>
